--- a/HTTP/20240615_HTTP.pptx
+++ b/HTTP/20240615_HTTP.pptx
@@ -283,7 +283,7 @@
           <a:p>
             <a:fld id="{C424A8B8-4B32-40BD-93B2-584DE8743A8B}" type="datetimeFigureOut">
               <a:rPr lang="ko-KR" altLang="en-US" smtClean="0"/>
-              <a:t>2024-06-14</a:t>
+              <a:t>2024-06-15</a:t>
             </a:fld>
             <a:endParaRPr lang="ko-KR" altLang="en-US"/>
           </a:p>
@@ -453,7 +453,7 @@
           <a:p>
             <a:fld id="{C424A8B8-4B32-40BD-93B2-584DE8743A8B}" type="datetimeFigureOut">
               <a:rPr lang="ko-KR" altLang="en-US" smtClean="0"/>
-              <a:t>2024-06-14</a:t>
+              <a:t>2024-06-15</a:t>
             </a:fld>
             <a:endParaRPr lang="ko-KR" altLang="en-US"/>
           </a:p>
@@ -633,7 +633,7 @@
           <a:p>
             <a:fld id="{C424A8B8-4B32-40BD-93B2-584DE8743A8B}" type="datetimeFigureOut">
               <a:rPr lang="ko-KR" altLang="en-US" smtClean="0"/>
-              <a:t>2024-06-14</a:t>
+              <a:t>2024-06-15</a:t>
             </a:fld>
             <a:endParaRPr lang="ko-KR" altLang="en-US"/>
           </a:p>
@@ -803,7 +803,7 @@
           <a:p>
             <a:fld id="{C424A8B8-4B32-40BD-93B2-584DE8743A8B}" type="datetimeFigureOut">
               <a:rPr lang="ko-KR" altLang="en-US" smtClean="0"/>
-              <a:t>2024-06-14</a:t>
+              <a:t>2024-06-15</a:t>
             </a:fld>
             <a:endParaRPr lang="ko-KR" altLang="en-US"/>
           </a:p>
@@ -1049,7 +1049,7 @@
           <a:p>
             <a:fld id="{C424A8B8-4B32-40BD-93B2-584DE8743A8B}" type="datetimeFigureOut">
               <a:rPr lang="ko-KR" altLang="en-US" smtClean="0"/>
-              <a:t>2024-06-14</a:t>
+              <a:t>2024-06-15</a:t>
             </a:fld>
             <a:endParaRPr lang="ko-KR" altLang="en-US"/>
           </a:p>
@@ -1281,7 +1281,7 @@
           <a:p>
             <a:fld id="{C424A8B8-4B32-40BD-93B2-584DE8743A8B}" type="datetimeFigureOut">
               <a:rPr lang="ko-KR" altLang="en-US" smtClean="0"/>
-              <a:t>2024-06-14</a:t>
+              <a:t>2024-06-15</a:t>
             </a:fld>
             <a:endParaRPr lang="ko-KR" altLang="en-US"/>
           </a:p>
@@ -1648,7 +1648,7 @@
           <a:p>
             <a:fld id="{C424A8B8-4B32-40BD-93B2-584DE8743A8B}" type="datetimeFigureOut">
               <a:rPr lang="ko-KR" altLang="en-US" smtClean="0"/>
-              <a:t>2024-06-14</a:t>
+              <a:t>2024-06-15</a:t>
             </a:fld>
             <a:endParaRPr lang="ko-KR" altLang="en-US"/>
           </a:p>
@@ -1766,7 +1766,7 @@
           <a:p>
             <a:fld id="{C424A8B8-4B32-40BD-93B2-584DE8743A8B}" type="datetimeFigureOut">
               <a:rPr lang="ko-KR" altLang="en-US" smtClean="0"/>
-              <a:t>2024-06-14</a:t>
+              <a:t>2024-06-15</a:t>
             </a:fld>
             <a:endParaRPr lang="ko-KR" altLang="en-US"/>
           </a:p>
@@ -1861,7 +1861,7 @@
           <a:p>
             <a:fld id="{C424A8B8-4B32-40BD-93B2-584DE8743A8B}" type="datetimeFigureOut">
               <a:rPr lang="ko-KR" altLang="en-US" smtClean="0"/>
-              <a:t>2024-06-14</a:t>
+              <a:t>2024-06-15</a:t>
             </a:fld>
             <a:endParaRPr lang="ko-KR" altLang="en-US"/>
           </a:p>
@@ -2138,7 +2138,7 @@
           <a:p>
             <a:fld id="{C424A8B8-4B32-40BD-93B2-584DE8743A8B}" type="datetimeFigureOut">
               <a:rPr lang="ko-KR" altLang="en-US" smtClean="0"/>
-              <a:t>2024-06-14</a:t>
+              <a:t>2024-06-15</a:t>
             </a:fld>
             <a:endParaRPr lang="ko-KR" altLang="en-US"/>
           </a:p>
@@ -2391,7 +2391,7 @@
           <a:p>
             <a:fld id="{C424A8B8-4B32-40BD-93B2-584DE8743A8B}" type="datetimeFigureOut">
               <a:rPr lang="ko-KR" altLang="en-US" smtClean="0"/>
-              <a:t>2024-06-14</a:t>
+              <a:t>2024-06-15</a:t>
             </a:fld>
             <a:endParaRPr lang="ko-KR" altLang="en-US"/>
           </a:p>
@@ -2604,7 +2604,7 @@
           <a:p>
             <a:fld id="{C424A8B8-4B32-40BD-93B2-584DE8743A8B}" type="datetimeFigureOut">
               <a:rPr lang="ko-KR" altLang="en-US" smtClean="0"/>
-              <a:t>2024-06-14</a:t>
+              <a:t>2024-06-15</a:t>
             </a:fld>
             <a:endParaRPr lang="ko-KR" altLang="en-US"/>
           </a:p>
@@ -4703,8 +4703,12 @@
               <a:t>) : </a:t>
             </a:r>
             <a:r>
+              <a:rPr lang="ko-KR" altLang="en-US" smtClean="0"/>
+              <a:t>서버가 클라이언트에게 응답을 </a:t>
+            </a:r>
+            <a:r>
               <a:rPr lang="ko-KR" altLang="en-US"/>
-              <a:t>클라이언트가 서버에 요청을 보낼 때 사용되는 헤더</a:t>
+              <a:t>보낼 때 사용되는 헤더</a:t>
             </a:r>
             <a:endParaRPr lang="en-US" altLang="ko-KR" smtClean="0"/>
           </a:p>
@@ -9175,9 +9179,6 @@
               </a:rPr>
               <a:t>Secure</a:t>
             </a:r>
-            <a:endParaRPr lang="en-US" altLang="ko-KR" smtClean="0">
-              <a:latin typeface="+mn-ea"/>
-            </a:endParaRPr>
           </a:p>
           <a:p>
             <a:r>
@@ -9190,13 +9191,7 @@
               <a:rPr lang="en-US" altLang="ko-KR">
                 <a:latin typeface="+mn-ea"/>
               </a:rPr>
-              <a:t>: userId=1</a:t>
-            </a:r>
-            <a:r>
-              <a:rPr lang="en-US" altLang="ko-KR">
-                <a:latin typeface="+mn-ea"/>
-              </a:rPr>
-              <a:t>; </a:t>
+              <a:t>: userId=1; </a:t>
             </a:r>
             <a:r>
               <a:rPr lang="en-US" altLang="ko-KR" smtClean="0">
@@ -9731,14 +9726,7 @@
                 <a:latin typeface="+mn-ea"/>
                 <a:hlinkClick r:id="rId4"/>
               </a:rPr>
-              <a:t>https</a:t>
-            </a:r>
-            <a:r>
-              <a:rPr lang="en-US" altLang="ko-KR">
-                <a:latin typeface="+mn-ea"/>
-                <a:hlinkClick r:id="rId4"/>
-              </a:rPr>
-              <a:t>://</a:t>
+              <a:t>https://</a:t>
             </a:r>
             <a:r>
               <a:rPr lang="en-US" altLang="ko-KR" smtClean="0">
